--- a/200416/20.04.16.pptx
+++ b/200416/20.04.16.pptx
@@ -3597,7 +3597,7 @@
     <mc:Choice Requires="p14">
       <p:transition/>
     </mc:Choice>
-    <mc:Fallback xmlns:dsp="http://schemas.microsoft.com/office/drawing/2008/diagram" xmlns:dgm="http://schemas.openxmlformats.org/drawingml/2006/diagram" xmlns:c="http://schemas.openxmlformats.org/drawingml/2006/chart" xmlns="">
+    <mc:Fallback xmlns="" xmlns:c="http://schemas.openxmlformats.org/drawingml/2006/chart" xmlns:dgm="http://schemas.openxmlformats.org/drawingml/2006/diagram" xmlns:dsp="http://schemas.microsoft.com/office/drawing/2008/diagram">
       <p:transition/>
     </mc:Fallback>
   </mc:AlternateContent>
@@ -3825,7 +3825,7 @@
         </p:nvSpPr>
         <p:spPr>
           <a:xfrm>
-            <a:off x="1153499" y="1604122"/>
+            <a:off x="2369824" y="2156213"/>
             <a:ext cx="631437" cy="631437"/>
           </a:xfrm>
           <a:prstGeom prst="ellipse">
@@ -3900,7 +3900,7 @@
         </p:nvSpPr>
         <p:spPr>
           <a:xfrm>
-            <a:off x="1876900" y="1714233"/>
+            <a:off x="3093225" y="2266324"/>
             <a:ext cx="1383885" cy="400110"/>
           </a:xfrm>
           <a:prstGeom prst="rect">
@@ -3962,8 +3962,8 @@
         </p:nvSpPr>
         <p:spPr>
           <a:xfrm>
-            <a:off x="1975056" y="2595072"/>
-            <a:ext cx="6430340" cy="3704860"/>
+            <a:off x="3084148" y="3333476"/>
+            <a:ext cx="2678297" cy="2707664"/>
           </a:xfrm>
           <a:prstGeom prst="rect">
             <a:avLst/>
@@ -4181,88 +4181,10 @@
             </a:endParaRPr>
           </a:p>
           <a:p>
-            <a:pPr marL="285750" indent="-285750">
+            <a:pPr>
               <a:lnSpc>
                 <a:spcPct val="120000"/>
               </a:lnSpc>
-              <a:buFont typeface="Arial" panose="020B0604020202020204" pitchFamily="34" charset="0"/>
-              <a:buChar char="•"/>
-              <a:defRPr/>
-            </a:pPr>
-            <a:endParaRPr lang="en-US" altLang="ko-KR" dirty="0">
-              <a:solidFill>
-                <a:schemeClr val="tx1">
-                  <a:lumMod val="50000"/>
-                  <a:lumOff val="50000"/>
-                </a:schemeClr>
-              </a:solidFill>
-              <a:latin typeface="바탕"/>
-              <a:ea typeface="바탕"/>
-            </a:endParaRPr>
-          </a:p>
-          <a:p>
-            <a:pPr marL="285750" indent="-285750">
-              <a:lnSpc>
-                <a:spcPct val="120000"/>
-              </a:lnSpc>
-              <a:buFont typeface="Arial" panose="020B0604020202020204" pitchFamily="34" charset="0"/>
-              <a:buChar char="•"/>
-              <a:defRPr/>
-            </a:pPr>
-            <a:endParaRPr lang="en-US" altLang="ko-KR" dirty="0">
-              <a:solidFill>
-                <a:schemeClr val="tx1">
-                  <a:lumMod val="50000"/>
-                  <a:lumOff val="50000"/>
-                </a:schemeClr>
-              </a:solidFill>
-              <a:latin typeface="바탕"/>
-              <a:ea typeface="바탕"/>
-            </a:endParaRPr>
-          </a:p>
-          <a:p>
-            <a:pPr marL="285750" indent="-285750">
-              <a:lnSpc>
-                <a:spcPct val="120000"/>
-              </a:lnSpc>
-              <a:buFont typeface="Arial" panose="020B0604020202020204" pitchFamily="34" charset="0"/>
-              <a:buChar char="•"/>
-              <a:defRPr/>
-            </a:pPr>
-            <a:r>
-              <a:rPr lang="ko-KR" altLang="en-US" dirty="0">
-                <a:solidFill>
-                  <a:schemeClr val="tx1">
-                    <a:lumMod val="50000"/>
-                    <a:lumOff val="50000"/>
-                  </a:schemeClr>
-                </a:solidFill>
-                <a:latin typeface="바탕"/>
-                <a:ea typeface="바탕"/>
-              </a:rPr>
-              <a:t>교수님들께 질문 </a:t>
-            </a:r>
-            <a:r>
-              <a:rPr lang="en-US" altLang="ko-KR" dirty="0">
-                <a:solidFill>
-                  <a:schemeClr val="tx1">
-                    <a:lumMod val="50000"/>
-                    <a:lumOff val="50000"/>
-                  </a:schemeClr>
-                </a:solidFill>
-                <a:latin typeface="바탕"/>
-                <a:ea typeface="바탕"/>
-              </a:rPr>
-              <a:t>…</a:t>
-            </a:r>
-          </a:p>
-          <a:p>
-            <a:pPr marL="285750" indent="-285750">
-              <a:lnSpc>
-                <a:spcPct val="120000"/>
-              </a:lnSpc>
-              <a:buFont typeface="Arial" panose="020B0604020202020204" pitchFamily="34" charset="0"/>
-              <a:buChar char="•"/>
               <a:defRPr/>
             </a:pPr>
             <a:endParaRPr lang="en-US" altLang="ko-KR" dirty="0">
@@ -4328,7 +4250,7 @@
         </p:nvSpPr>
         <p:spPr>
           <a:xfrm>
-            <a:off x="8298163" y="6528028"/>
+            <a:off x="8453437" y="6528028"/>
             <a:ext cx="2277822" cy="252633"/>
           </a:xfrm>
           <a:prstGeom prst="rect">
@@ -4349,17 +4271,17 @@
               <a:defRPr/>
             </a:pPr>
             <a:r>
-              <a:rPr lang="ko-KR" altLang="en-US" sz="1000">
-                <a:solidFill>
-                  <a:schemeClr val="tx1">
-                    <a:lumMod val="50000"/>
-                    <a:lumOff val="50000"/>
-                  </a:schemeClr>
-                </a:solidFill>
-                <a:latin typeface="바탕"/>
-                <a:ea typeface="바탕"/>
-              </a:rPr>
-              <a:t>대학 생활 열심히</a:t>
+              <a:rPr lang="ko-KR" altLang="en-US" sz="1000" dirty="0">
+                <a:solidFill>
+                  <a:schemeClr val="tx1">
+                    <a:lumMod val="50000"/>
+                    <a:lumOff val="50000"/>
+                  </a:schemeClr>
+                </a:solidFill>
+                <a:latin typeface="바탕"/>
+                <a:ea typeface="바탕"/>
+              </a:rPr>
+              <a:t>과제 열심히</a:t>
             </a:r>
             <a:r>
               <a:rPr lang="en-US" altLang="ko-KR" sz="1000" dirty="0">
@@ -4417,7 +4339,7 @@
     <mc:Choice Requires="p14">
       <p:transition/>
     </mc:Choice>
-    <mc:Fallback xmlns:dsp="http://schemas.microsoft.com/office/drawing/2008/diagram" xmlns:dgm="http://schemas.openxmlformats.org/drawingml/2006/diagram" xmlns:c="http://schemas.openxmlformats.org/drawingml/2006/chart" xmlns="">
+    <mc:Fallback xmlns="" xmlns:c="http://schemas.openxmlformats.org/drawingml/2006/chart" xmlns:dgm="http://schemas.openxmlformats.org/drawingml/2006/diagram" xmlns:dsp="http://schemas.microsoft.com/office/drawing/2008/diagram">
       <p:transition/>
     </mc:Fallback>
   </mc:AlternateContent>
@@ -4707,7 +4629,7 @@
                 <a:latin typeface="바탕"/>
                 <a:ea typeface="바탕"/>
               </a:rPr>
-              <a:t>존경하는 전자공학과 교수님들 덕분에 이런 좋은 기회를 얻게 돼서 너무 영광 이였습니다 </a:t>
+              <a:t>존경하는 전자공학과 교수님들 덕분에 이런 좋은 기회를 얻게 돼서 너무 영광 이였습니다</a:t>
             </a:r>
             <a:r>
               <a:rPr lang="en-US" altLang="ko-KR" sz="1500" dirty="0">
@@ -4720,7 +4642,7 @@
                 <a:latin typeface="바탕"/>
                 <a:ea typeface="바탕"/>
               </a:rPr>
-              <a:t>… (</a:t>
+              <a:t>. (</a:t>
             </a:r>
             <a:r>
               <a:rPr lang="ko-KR" altLang="en-US" sz="1500" dirty="0">
@@ -4733,7 +4655,7 @@
                 <a:latin typeface="바탕"/>
                 <a:ea typeface="바탕"/>
               </a:rPr>
-              <a:t>과사에서 알려줬습니다</a:t>
+              <a:t>학과 사무실에서 알려주셨습니다</a:t>
             </a:r>
             <a:r>
               <a:rPr lang="en-US" altLang="ko-KR" sz="1500" dirty="0">
@@ -5065,7 +4987,7 @@
                 <a:latin typeface="바탕"/>
                 <a:ea typeface="바탕"/>
               </a:rPr>
-              <a:t>이것도 합격해야 활동이 가능하다고 합니다</a:t>
+              <a:t>합격해야 활동이 가능하다고 합니다</a:t>
             </a:r>
             <a:r>
               <a:rPr lang="en-US" altLang="ko-KR" sz="1500" dirty="0">
@@ -5078,7 +5000,7 @@
                 <a:latin typeface="바탕"/>
                 <a:ea typeface="바탕"/>
               </a:rPr>
-              <a:t>..</a:t>
+              <a:t>.</a:t>
             </a:r>
           </a:p>
         </p:txBody>
@@ -5425,7 +5347,7 @@
     <mc:Choice Requires="p14">
       <p:transition/>
     </mc:Choice>
-    <mc:Fallback xmlns:dsp="http://schemas.microsoft.com/office/drawing/2008/diagram" xmlns:dgm="http://schemas.openxmlformats.org/drawingml/2006/diagram" xmlns:c="http://schemas.openxmlformats.org/drawingml/2006/chart" xmlns="">
+    <mc:Fallback xmlns="" xmlns:c="http://schemas.openxmlformats.org/drawingml/2006/chart" xmlns:dgm="http://schemas.openxmlformats.org/drawingml/2006/diagram" xmlns:dsp="http://schemas.microsoft.com/office/drawing/2008/diagram">
       <p:transition/>
     </mc:Fallback>
   </mc:AlternateContent>
@@ -5989,7 +5911,7 @@
                 <a:latin typeface="바탕"/>
                 <a:ea typeface="바탕"/>
               </a:rPr>
-              <a:t>..! (ex.</a:t>
+              <a:t>. (ex.</a:t>
             </a:r>
             <a:r>
               <a:rPr lang="ko-KR" altLang="en-US" sz="1500" dirty="0">
@@ -6268,13 +6190,13 @@
                 <a:latin typeface="바탕"/>
                 <a:ea typeface="바탕"/>
               </a:rPr>
-              <a:t>… </a:t>
+              <a:t>.</a:t>
             </a:r>
           </a:p>
         </p:txBody>
       </p:sp>
-      <mc:AlternateContent xmlns:mc="http://schemas.openxmlformats.org/markup-compatibility/2006">
-        <mc:Choice xmlns:p14="http://schemas.microsoft.com/office/powerpoint/2010/main" Requires="p14">
+      <mc:AlternateContent xmlns:mc="http://schemas.openxmlformats.org/markup-compatibility/2006" xmlns:p14="http://schemas.microsoft.com/office/powerpoint/2010/main">
+        <mc:Choice Requires="p14">
           <p:contentPart p14:bwMode="auto" r:id="rId2">
             <p14:nvContentPartPr>
               <p14:cNvPr id="12" name="잉크 11">
@@ -6293,7 +6215,7 @@
             </p14:xfrm>
           </p:contentPart>
         </mc:Choice>
-        <mc:Fallback>
+        <mc:Fallback xmlns="">
           <p:pic>
             <p:nvPicPr>
               <p:cNvPr id="12" name="잉크 11">
@@ -6469,7 +6391,7 @@
     <mc:Choice Requires="p14">
       <p:transition/>
     </mc:Choice>
-    <mc:Fallback xmlns:dsp="http://schemas.microsoft.com/office/drawing/2008/diagram" xmlns:dgm="http://schemas.openxmlformats.org/drawingml/2006/diagram" xmlns:c="http://schemas.openxmlformats.org/drawingml/2006/chart" xmlns="">
+    <mc:Fallback xmlns="" xmlns:c="http://schemas.openxmlformats.org/drawingml/2006/chart" xmlns:dgm="http://schemas.openxmlformats.org/drawingml/2006/diagram" xmlns:dsp="http://schemas.microsoft.com/office/drawing/2008/diagram">
       <p:transition/>
     </mc:Fallback>
   </mc:AlternateContent>
@@ -7047,8 +6969,8 @@
           </a:fontRef>
         </p:style>
       </p:cxnSp>
-      <mc:AlternateContent xmlns:mc="http://schemas.openxmlformats.org/markup-compatibility/2006">
-        <mc:Choice xmlns:a14="http://schemas.microsoft.com/office/drawing/2010/main" Requires="a14">
+      <mc:AlternateContent xmlns:mc="http://schemas.openxmlformats.org/markup-compatibility/2006" xmlns:a14="http://schemas.microsoft.com/office/drawing/2010/main">
+        <mc:Choice Requires="a14">
           <p:sp>
             <p:nvSpPr>
               <p:cNvPr id="18" name="TextBox 17">
@@ -7686,7 +7608,7 @@
             </p:txBody>
           </p:sp>
         </mc:Choice>
-        <mc:Fallback>
+        <mc:Fallback xmlns="">
           <p:sp>
             <p:nvSpPr>
               <p:cNvPr id="18" name="TextBox 17">
@@ -7821,19 +7743,16 @@
               </a:rPr>
               <a:t>자동제어 수업 때 배운 것 응용</a:t>
             </a:r>
-            <a:r>
-              <a:rPr lang="en-US" altLang="ko-KR" sz="1300" dirty="0">
-                <a:solidFill>
-                  <a:schemeClr val="tx1">
-                    <a:lumMod val="50000"/>
-                    <a:lumOff val="50000"/>
-                  </a:schemeClr>
-                </a:solidFill>
-                <a:latin typeface="바탕"/>
-                <a:ea typeface="바탕"/>
-              </a:rPr>
-              <a:t>..!</a:t>
-            </a:r>
+            <a:endParaRPr lang="en-US" altLang="ko-KR" sz="1300" dirty="0">
+              <a:solidFill>
+                <a:schemeClr val="tx1">
+                  <a:lumMod val="50000"/>
+                  <a:lumOff val="50000"/>
+                </a:schemeClr>
+              </a:solidFill>
+              <a:latin typeface="바탕"/>
+              <a:ea typeface="바탕"/>
+            </a:endParaRPr>
           </a:p>
         </p:txBody>
       </p:sp>
@@ -7851,7 +7770,7 @@
     <mc:Choice Requires="p14">
       <p:transition/>
     </mc:Choice>
-    <mc:Fallback xmlns:dsp="http://schemas.microsoft.com/office/drawing/2008/diagram" xmlns:dgm="http://schemas.openxmlformats.org/drawingml/2006/diagram" xmlns:c="http://schemas.openxmlformats.org/drawingml/2006/chart" xmlns="">
+    <mc:Fallback xmlns="" xmlns:c="http://schemas.openxmlformats.org/drawingml/2006/chart" xmlns:dgm="http://schemas.openxmlformats.org/drawingml/2006/diagram" xmlns:dsp="http://schemas.microsoft.com/office/drawing/2008/diagram">
       <p:transition/>
     </mc:Fallback>
   </mc:AlternateContent>
@@ -8561,7 +8480,7 @@
                 <a:latin typeface="바탕"/>
                 <a:ea typeface="바탕"/>
               </a:rPr>
-              <a:t>...</a:t>
+              <a:t>..</a:t>
             </a:r>
           </a:p>
           <a:p>
@@ -8717,8 +8636,8 @@
           </a:p>
         </p:txBody>
       </p:sp>
-      <mc:AlternateContent xmlns:mc="http://schemas.openxmlformats.org/markup-compatibility/2006">
-        <mc:Choice xmlns:p14="http://schemas.microsoft.com/office/powerpoint/2010/main" Requires="p14">
+      <mc:AlternateContent xmlns:mc="http://schemas.openxmlformats.org/markup-compatibility/2006" xmlns:p14="http://schemas.microsoft.com/office/powerpoint/2010/main">
+        <mc:Choice Requires="p14">
           <p:contentPart p14:bwMode="auto" r:id="rId2">
             <p14:nvContentPartPr>
               <p14:cNvPr id="12" name="잉크 11">
@@ -8737,7 +8656,7 @@
             </p14:xfrm>
           </p:contentPart>
         </mc:Choice>
-        <mc:Fallback>
+        <mc:Fallback xmlns="">
           <p:pic>
             <p:nvPicPr>
               <p:cNvPr id="12" name="잉크 11">
@@ -9203,7 +9122,7 @@
     <mc:Choice Requires="p14">
       <p:transition/>
     </mc:Choice>
-    <mc:Fallback xmlns:dsp="http://schemas.microsoft.com/office/drawing/2008/diagram" xmlns:dgm="http://schemas.openxmlformats.org/drawingml/2006/diagram" xmlns:c="http://schemas.openxmlformats.org/drawingml/2006/chart" xmlns="">
+    <mc:Fallback xmlns="" xmlns:c="http://schemas.openxmlformats.org/drawingml/2006/chart" xmlns:dgm="http://schemas.openxmlformats.org/drawingml/2006/diagram" xmlns:dsp="http://schemas.microsoft.com/office/drawing/2008/diagram">
       <p:transition/>
     </mc:Fallback>
   </mc:AlternateContent>
@@ -9304,8 +9223,8 @@
         </p:nvSpPr>
         <p:spPr>
           <a:xfrm>
-            <a:off x="3229165" y="-165507"/>
-            <a:ext cx="5414503" cy="2271776"/>
+            <a:off x="3229165" y="111492"/>
+            <a:ext cx="5414503" cy="1994777"/>
           </a:xfrm>
           <a:prstGeom prst="rect">
             <a:avLst/>
@@ -9535,19 +9454,16 @@
               </a:rPr>
               <a:t>제어 이론 공부하고 시간이 남을 때마다 조금씩</a:t>
             </a:r>
-            <a:r>
-              <a:rPr lang="en-US" altLang="ko-KR" sz="1500" dirty="0">
-                <a:solidFill>
-                  <a:schemeClr val="tx1">
-                    <a:lumMod val="50000"/>
-                    <a:lumOff val="50000"/>
-                  </a:schemeClr>
-                </a:solidFill>
-                <a:latin typeface="바탕"/>
-                <a:ea typeface="바탕"/>
-              </a:rPr>
-              <a:t>…</a:t>
-            </a:r>
+            <a:endParaRPr lang="en-US" altLang="ko-KR" sz="1500" dirty="0">
+              <a:solidFill>
+                <a:schemeClr val="tx1">
+                  <a:lumMod val="50000"/>
+                  <a:lumOff val="50000"/>
+                </a:schemeClr>
+              </a:solidFill>
+              <a:latin typeface="바탕"/>
+              <a:ea typeface="바탕"/>
+            </a:endParaRPr>
           </a:p>
           <a:p>
             <a:pPr>
@@ -9625,40 +9541,6 @@
                 <a:ea typeface="바탕"/>
               </a:rPr>
               <a:t>..</a:t>
-            </a:r>
-          </a:p>
-          <a:p>
-            <a:pPr>
-              <a:lnSpc>
-                <a:spcPct val="120000"/>
-              </a:lnSpc>
-              <a:defRPr/>
-            </a:pPr>
-            <a:r>
-              <a:rPr lang="ko-KR" altLang="en-US" sz="1500" dirty="0">
-                <a:solidFill>
-                  <a:schemeClr val="tx1">
-                    <a:lumMod val="50000"/>
-                    <a:lumOff val="50000"/>
-                  </a:schemeClr>
-                </a:solidFill>
-                <a:latin typeface="바탕"/>
-                <a:ea typeface="바탕"/>
-              </a:rPr>
-              <a:t>감사합니다</a:t>
-            </a:r>
-            <a:r>
-              <a:rPr lang="en-US" altLang="ko-KR" sz="1500" dirty="0">
-                <a:solidFill>
-                  <a:schemeClr val="tx1">
-                    <a:lumMod val="50000"/>
-                    <a:lumOff val="50000"/>
-                  </a:schemeClr>
-                </a:solidFill>
-                <a:latin typeface="바탕"/>
-                <a:ea typeface="바탕"/>
-              </a:rPr>
-              <a:t>!</a:t>
             </a:r>
           </a:p>
         </p:txBody>
@@ -10888,7 +10770,7 @@
     <mc:Choice Requires="p14">
       <p:transition/>
     </mc:Choice>
-    <mc:Fallback xmlns:dsp="http://schemas.microsoft.com/office/drawing/2008/diagram" xmlns:dgm="http://schemas.openxmlformats.org/drawingml/2006/diagram" xmlns:c="http://schemas.openxmlformats.org/drawingml/2006/chart" xmlns="">
+    <mc:Fallback xmlns="" xmlns:c="http://schemas.openxmlformats.org/drawingml/2006/chart" xmlns:dgm="http://schemas.openxmlformats.org/drawingml/2006/diagram" xmlns:dsp="http://schemas.microsoft.com/office/drawing/2008/diagram">
       <p:transition/>
     </mc:Fallback>
   </mc:AlternateContent>
@@ -11043,7 +10925,7 @@
     <mc:Choice Requires="p14">
       <p:transition/>
     </mc:Choice>
-    <mc:Fallback xmlns:dsp="http://schemas.microsoft.com/office/drawing/2008/diagram" xmlns:dgm="http://schemas.openxmlformats.org/drawingml/2006/diagram" xmlns:c="http://schemas.openxmlformats.org/drawingml/2006/chart" xmlns="">
+    <mc:Fallback xmlns="" xmlns:c="http://schemas.openxmlformats.org/drawingml/2006/chart" xmlns:dgm="http://schemas.openxmlformats.org/drawingml/2006/diagram" xmlns:dsp="http://schemas.microsoft.com/office/drawing/2008/diagram">
       <p:transition/>
     </mc:Fallback>
   </mc:AlternateContent>
